--- a/paper/tex/fig/createJunction.pptx
+++ b/paper/tex/fig/createJunction.pptx
@@ -107,6 +107,11 @@
       </a:defRPr>
     </a:lvl9pPr>
   </p:defaultTextStyle>
+  <p:extLst>
+    <p:ext uri="{EFAFB233-063F-42B5-8137-9DF3F51BA10A}">
+      <p15:sldGuideLst xmlns:p15="http://schemas.microsoft.com/office/powerpoint/2012/main"/>
+    </p:ext>
+  </p:extLst>
 </p:presentation>
 </file>
 
@@ -152,7 +157,7 @@
           </a:lstStyle>
           <a:p>
             <a:r>
-              <a:rPr lang="de-DE" smtClean="0"/>
+              <a:rPr lang="de-DE"/>
               <a:t>Titelmasterformat durch Klicken bearbeiten</a:t>
             </a:r>
             <a:endParaRPr lang="en-US" dirty="0"/>
@@ -217,7 +222,7 @@
           </a:lstStyle>
           <a:p>
             <a:r>
-              <a:rPr lang="de-DE" smtClean="0"/>
+              <a:rPr lang="de-DE"/>
               <a:t>Formatvorlage des Untertitelmasters durch Klicken bearbeiten</a:t>
             </a:r>
             <a:endParaRPr lang="en-US" dirty="0"/>
@@ -241,7 +246,7 @@
           <a:p>
             <a:fld id="{EC93BBD2-B587-4421-B8E5-F07A11DB88D9}" type="datetimeFigureOut">
               <a:rPr lang="de-DE" smtClean="0"/>
-              <a:t>07.02.2020</a:t>
+              <a:t>29.02.2020</a:t>
             </a:fld>
             <a:endParaRPr lang="de-DE"/>
           </a:p>
@@ -335,7 +340,7 @@
           <a:lstStyle/>
           <a:p>
             <a:r>
-              <a:rPr lang="de-DE" smtClean="0"/>
+              <a:rPr lang="de-DE"/>
               <a:t>Titelmasterformat durch Klicken bearbeiten</a:t>
             </a:r>
             <a:endParaRPr lang="en-US" dirty="0"/>
@@ -359,35 +364,35 @@
           <a:p>
             <a:pPr lvl="0"/>
             <a:r>
-              <a:rPr lang="de-DE" smtClean="0"/>
+              <a:rPr lang="de-DE"/>
               <a:t>Formatvorlagen des Textmasters bearbeiten</a:t>
             </a:r>
           </a:p>
           <a:p>
             <a:pPr lvl="1"/>
             <a:r>
-              <a:rPr lang="de-DE" smtClean="0"/>
+              <a:rPr lang="de-DE"/>
               <a:t>Zweite Ebene</a:t>
             </a:r>
           </a:p>
           <a:p>
             <a:pPr lvl="2"/>
             <a:r>
-              <a:rPr lang="de-DE" smtClean="0"/>
+              <a:rPr lang="de-DE"/>
               <a:t>Dritte Ebene</a:t>
             </a:r>
           </a:p>
           <a:p>
             <a:pPr lvl="3"/>
             <a:r>
-              <a:rPr lang="de-DE" smtClean="0"/>
+              <a:rPr lang="de-DE"/>
               <a:t>Vierte Ebene</a:t>
             </a:r>
           </a:p>
           <a:p>
             <a:pPr lvl="4"/>
             <a:r>
-              <a:rPr lang="de-DE" smtClean="0"/>
+              <a:rPr lang="de-DE"/>
               <a:t>Fünfte Ebene</a:t>
             </a:r>
             <a:endParaRPr lang="en-US" dirty="0"/>
@@ -411,7 +416,7 @@
           <a:p>
             <a:fld id="{EC93BBD2-B587-4421-B8E5-F07A11DB88D9}" type="datetimeFigureOut">
               <a:rPr lang="de-DE" smtClean="0"/>
-              <a:t>07.02.2020</a:t>
+              <a:t>29.02.2020</a:t>
             </a:fld>
             <a:endParaRPr lang="de-DE"/>
           </a:p>
@@ -510,7 +515,7 @@
           <a:lstStyle/>
           <a:p>
             <a:r>
-              <a:rPr lang="de-DE" smtClean="0"/>
+              <a:rPr lang="de-DE"/>
               <a:t>Titelmasterformat durch Klicken bearbeiten</a:t>
             </a:r>
             <a:endParaRPr lang="en-US" dirty="0"/>
@@ -539,35 +544,35 @@
           <a:p>
             <a:pPr lvl="0"/>
             <a:r>
-              <a:rPr lang="de-DE" smtClean="0"/>
+              <a:rPr lang="de-DE"/>
               <a:t>Formatvorlagen des Textmasters bearbeiten</a:t>
             </a:r>
           </a:p>
           <a:p>
             <a:pPr lvl="1"/>
             <a:r>
-              <a:rPr lang="de-DE" smtClean="0"/>
+              <a:rPr lang="de-DE"/>
               <a:t>Zweite Ebene</a:t>
             </a:r>
           </a:p>
           <a:p>
             <a:pPr lvl="2"/>
             <a:r>
-              <a:rPr lang="de-DE" smtClean="0"/>
+              <a:rPr lang="de-DE"/>
               <a:t>Dritte Ebene</a:t>
             </a:r>
           </a:p>
           <a:p>
             <a:pPr lvl="3"/>
             <a:r>
-              <a:rPr lang="de-DE" smtClean="0"/>
+              <a:rPr lang="de-DE"/>
               <a:t>Vierte Ebene</a:t>
             </a:r>
           </a:p>
           <a:p>
             <a:pPr lvl="4"/>
             <a:r>
-              <a:rPr lang="de-DE" smtClean="0"/>
+              <a:rPr lang="de-DE"/>
               <a:t>Fünfte Ebene</a:t>
             </a:r>
             <a:endParaRPr lang="en-US" dirty="0"/>
@@ -591,7 +596,7 @@
           <a:p>
             <a:fld id="{EC93BBD2-B587-4421-B8E5-F07A11DB88D9}" type="datetimeFigureOut">
               <a:rPr lang="de-DE" smtClean="0"/>
-              <a:t>07.02.2020</a:t>
+              <a:t>29.02.2020</a:t>
             </a:fld>
             <a:endParaRPr lang="de-DE"/>
           </a:p>
@@ -685,7 +690,7 @@
           <a:lstStyle/>
           <a:p>
             <a:r>
-              <a:rPr lang="de-DE" smtClean="0"/>
+              <a:rPr lang="de-DE"/>
               <a:t>Titelmasterformat durch Klicken bearbeiten</a:t>
             </a:r>
             <a:endParaRPr lang="en-US" dirty="0"/>
@@ -709,35 +714,35 @@
           <a:p>
             <a:pPr lvl="0"/>
             <a:r>
-              <a:rPr lang="de-DE" smtClean="0"/>
+              <a:rPr lang="de-DE"/>
               <a:t>Formatvorlagen des Textmasters bearbeiten</a:t>
             </a:r>
           </a:p>
           <a:p>
             <a:pPr lvl="1"/>
             <a:r>
-              <a:rPr lang="de-DE" smtClean="0"/>
+              <a:rPr lang="de-DE"/>
               <a:t>Zweite Ebene</a:t>
             </a:r>
           </a:p>
           <a:p>
             <a:pPr lvl="2"/>
             <a:r>
-              <a:rPr lang="de-DE" smtClean="0"/>
+              <a:rPr lang="de-DE"/>
               <a:t>Dritte Ebene</a:t>
             </a:r>
           </a:p>
           <a:p>
             <a:pPr lvl="3"/>
             <a:r>
-              <a:rPr lang="de-DE" smtClean="0"/>
+              <a:rPr lang="de-DE"/>
               <a:t>Vierte Ebene</a:t>
             </a:r>
           </a:p>
           <a:p>
             <a:pPr lvl="4"/>
             <a:r>
-              <a:rPr lang="de-DE" smtClean="0"/>
+              <a:rPr lang="de-DE"/>
               <a:t>Fünfte Ebene</a:t>
             </a:r>
             <a:endParaRPr lang="en-US" dirty="0"/>
@@ -761,7 +766,7 @@
           <a:p>
             <a:fld id="{EC93BBD2-B587-4421-B8E5-F07A11DB88D9}" type="datetimeFigureOut">
               <a:rPr lang="de-DE" smtClean="0"/>
-              <a:t>07.02.2020</a:t>
+              <a:t>29.02.2020</a:t>
             </a:fld>
             <a:endParaRPr lang="de-DE"/>
           </a:p>
@@ -864,7 +869,7 @@
           </a:lstStyle>
           <a:p>
             <a:r>
-              <a:rPr lang="de-DE" smtClean="0"/>
+              <a:rPr lang="de-DE"/>
               <a:t>Titelmasterformat durch Klicken bearbeiten</a:t>
             </a:r>
             <a:endParaRPr lang="en-US" dirty="0"/>
@@ -984,7 +989,7 @@
           <a:p>
             <a:pPr lvl="0"/>
             <a:r>
-              <a:rPr lang="de-DE" smtClean="0"/>
+              <a:rPr lang="de-DE"/>
               <a:t>Formatvorlagen des Textmasters bearbeiten</a:t>
             </a:r>
           </a:p>
@@ -1007,7 +1012,7 @@
           <a:p>
             <a:fld id="{EC93BBD2-B587-4421-B8E5-F07A11DB88D9}" type="datetimeFigureOut">
               <a:rPr lang="de-DE" smtClean="0"/>
-              <a:t>07.02.2020</a:t>
+              <a:t>29.02.2020</a:t>
             </a:fld>
             <a:endParaRPr lang="de-DE"/>
           </a:p>
@@ -1101,7 +1106,7 @@
           <a:lstStyle/>
           <a:p>
             <a:r>
-              <a:rPr lang="de-DE" smtClean="0"/>
+              <a:rPr lang="de-DE"/>
               <a:t>Titelmasterformat durch Klicken bearbeiten</a:t>
             </a:r>
             <a:endParaRPr lang="en-US" dirty="0"/>
@@ -1130,35 +1135,35 @@
           <a:p>
             <a:pPr lvl="0"/>
             <a:r>
-              <a:rPr lang="de-DE" smtClean="0"/>
+              <a:rPr lang="de-DE"/>
               <a:t>Formatvorlagen des Textmasters bearbeiten</a:t>
             </a:r>
           </a:p>
           <a:p>
             <a:pPr lvl="1"/>
             <a:r>
-              <a:rPr lang="de-DE" smtClean="0"/>
+              <a:rPr lang="de-DE"/>
               <a:t>Zweite Ebene</a:t>
             </a:r>
           </a:p>
           <a:p>
             <a:pPr lvl="2"/>
             <a:r>
-              <a:rPr lang="de-DE" smtClean="0"/>
+              <a:rPr lang="de-DE"/>
               <a:t>Dritte Ebene</a:t>
             </a:r>
           </a:p>
           <a:p>
             <a:pPr lvl="3"/>
             <a:r>
-              <a:rPr lang="de-DE" smtClean="0"/>
+              <a:rPr lang="de-DE"/>
               <a:t>Vierte Ebene</a:t>
             </a:r>
           </a:p>
           <a:p>
             <a:pPr lvl="4"/>
             <a:r>
-              <a:rPr lang="de-DE" smtClean="0"/>
+              <a:rPr lang="de-DE"/>
               <a:t>Fünfte Ebene</a:t>
             </a:r>
             <a:endParaRPr lang="en-US" dirty="0"/>
@@ -1187,35 +1192,35 @@
           <a:p>
             <a:pPr lvl="0"/>
             <a:r>
-              <a:rPr lang="de-DE" smtClean="0"/>
+              <a:rPr lang="de-DE"/>
               <a:t>Formatvorlagen des Textmasters bearbeiten</a:t>
             </a:r>
           </a:p>
           <a:p>
             <a:pPr lvl="1"/>
             <a:r>
-              <a:rPr lang="de-DE" smtClean="0"/>
+              <a:rPr lang="de-DE"/>
               <a:t>Zweite Ebene</a:t>
             </a:r>
           </a:p>
           <a:p>
             <a:pPr lvl="2"/>
             <a:r>
-              <a:rPr lang="de-DE" smtClean="0"/>
+              <a:rPr lang="de-DE"/>
               <a:t>Dritte Ebene</a:t>
             </a:r>
           </a:p>
           <a:p>
             <a:pPr lvl="3"/>
             <a:r>
-              <a:rPr lang="de-DE" smtClean="0"/>
+              <a:rPr lang="de-DE"/>
               <a:t>Vierte Ebene</a:t>
             </a:r>
           </a:p>
           <a:p>
             <a:pPr lvl="4"/>
             <a:r>
-              <a:rPr lang="de-DE" smtClean="0"/>
+              <a:rPr lang="de-DE"/>
               <a:t>Fünfte Ebene</a:t>
             </a:r>
             <a:endParaRPr lang="en-US" dirty="0"/>
@@ -1239,7 +1244,7 @@
           <a:p>
             <a:fld id="{EC93BBD2-B587-4421-B8E5-F07A11DB88D9}" type="datetimeFigureOut">
               <a:rPr lang="de-DE" smtClean="0"/>
-              <a:t>07.02.2020</a:t>
+              <a:t>29.02.2020</a:t>
             </a:fld>
             <a:endParaRPr lang="de-DE"/>
           </a:p>
@@ -1338,7 +1343,7 @@
           <a:lstStyle/>
           <a:p>
             <a:r>
-              <a:rPr lang="de-DE" smtClean="0"/>
+              <a:rPr lang="de-DE"/>
               <a:t>Titelmasterformat durch Klicken bearbeiten</a:t>
             </a:r>
             <a:endParaRPr lang="en-US" dirty="0"/>
@@ -1404,7 +1409,7 @@
           <a:p>
             <a:pPr lvl="0"/>
             <a:r>
-              <a:rPr lang="de-DE" smtClean="0"/>
+              <a:rPr lang="de-DE"/>
               <a:t>Formatvorlagen des Textmasters bearbeiten</a:t>
             </a:r>
           </a:p>
@@ -1432,35 +1437,35 @@
           <a:p>
             <a:pPr lvl="0"/>
             <a:r>
-              <a:rPr lang="de-DE" smtClean="0"/>
+              <a:rPr lang="de-DE"/>
               <a:t>Formatvorlagen des Textmasters bearbeiten</a:t>
             </a:r>
           </a:p>
           <a:p>
             <a:pPr lvl="1"/>
             <a:r>
-              <a:rPr lang="de-DE" smtClean="0"/>
+              <a:rPr lang="de-DE"/>
               <a:t>Zweite Ebene</a:t>
             </a:r>
           </a:p>
           <a:p>
             <a:pPr lvl="2"/>
             <a:r>
-              <a:rPr lang="de-DE" smtClean="0"/>
+              <a:rPr lang="de-DE"/>
               <a:t>Dritte Ebene</a:t>
             </a:r>
           </a:p>
           <a:p>
             <a:pPr lvl="3"/>
             <a:r>
-              <a:rPr lang="de-DE" smtClean="0"/>
+              <a:rPr lang="de-DE"/>
               <a:t>Vierte Ebene</a:t>
             </a:r>
           </a:p>
           <a:p>
             <a:pPr lvl="4"/>
             <a:r>
-              <a:rPr lang="de-DE" smtClean="0"/>
+              <a:rPr lang="de-DE"/>
               <a:t>Fünfte Ebene</a:t>
             </a:r>
             <a:endParaRPr lang="en-US" dirty="0"/>
@@ -1526,7 +1531,7 @@
           <a:p>
             <a:pPr lvl="0"/>
             <a:r>
-              <a:rPr lang="de-DE" smtClean="0"/>
+              <a:rPr lang="de-DE"/>
               <a:t>Formatvorlagen des Textmasters bearbeiten</a:t>
             </a:r>
           </a:p>
@@ -1554,35 +1559,35 @@
           <a:p>
             <a:pPr lvl="0"/>
             <a:r>
-              <a:rPr lang="de-DE" smtClean="0"/>
+              <a:rPr lang="de-DE"/>
               <a:t>Formatvorlagen des Textmasters bearbeiten</a:t>
             </a:r>
           </a:p>
           <a:p>
             <a:pPr lvl="1"/>
             <a:r>
-              <a:rPr lang="de-DE" smtClean="0"/>
+              <a:rPr lang="de-DE"/>
               <a:t>Zweite Ebene</a:t>
             </a:r>
           </a:p>
           <a:p>
             <a:pPr lvl="2"/>
             <a:r>
-              <a:rPr lang="de-DE" smtClean="0"/>
+              <a:rPr lang="de-DE"/>
               <a:t>Dritte Ebene</a:t>
             </a:r>
           </a:p>
           <a:p>
             <a:pPr lvl="3"/>
             <a:r>
-              <a:rPr lang="de-DE" smtClean="0"/>
+              <a:rPr lang="de-DE"/>
               <a:t>Vierte Ebene</a:t>
             </a:r>
           </a:p>
           <a:p>
             <a:pPr lvl="4"/>
             <a:r>
-              <a:rPr lang="de-DE" smtClean="0"/>
+              <a:rPr lang="de-DE"/>
               <a:t>Fünfte Ebene</a:t>
             </a:r>
             <a:endParaRPr lang="en-US" dirty="0"/>
@@ -1606,7 +1611,7 @@
           <a:p>
             <a:fld id="{EC93BBD2-B587-4421-B8E5-F07A11DB88D9}" type="datetimeFigureOut">
               <a:rPr lang="de-DE" smtClean="0"/>
-              <a:t>07.02.2020</a:t>
+              <a:t>29.02.2020</a:t>
             </a:fld>
             <a:endParaRPr lang="de-DE"/>
           </a:p>
@@ -1700,7 +1705,7 @@
           <a:lstStyle/>
           <a:p>
             <a:r>
-              <a:rPr lang="de-DE" smtClean="0"/>
+              <a:rPr lang="de-DE"/>
               <a:t>Titelmasterformat durch Klicken bearbeiten</a:t>
             </a:r>
             <a:endParaRPr lang="en-US" dirty="0"/>
@@ -1724,7 +1729,7 @@
           <a:p>
             <a:fld id="{EC93BBD2-B587-4421-B8E5-F07A11DB88D9}" type="datetimeFigureOut">
               <a:rPr lang="de-DE" smtClean="0"/>
-              <a:t>07.02.2020</a:t>
+              <a:t>29.02.2020</a:t>
             </a:fld>
             <a:endParaRPr lang="de-DE"/>
           </a:p>
@@ -1819,7 +1824,7 @@
           <a:p>
             <a:fld id="{EC93BBD2-B587-4421-B8E5-F07A11DB88D9}" type="datetimeFigureOut">
               <a:rPr lang="de-DE" smtClean="0"/>
-              <a:t>07.02.2020</a:t>
+              <a:t>29.02.2020</a:t>
             </a:fld>
             <a:endParaRPr lang="de-DE"/>
           </a:p>
@@ -1922,7 +1927,7 @@
           </a:lstStyle>
           <a:p>
             <a:r>
-              <a:rPr lang="de-DE" smtClean="0"/>
+              <a:rPr lang="de-DE"/>
               <a:t>Titelmasterformat durch Klicken bearbeiten</a:t>
             </a:r>
             <a:endParaRPr lang="en-US" dirty="0"/>
@@ -1979,35 +1984,35 @@
           <a:p>
             <a:pPr lvl="0"/>
             <a:r>
-              <a:rPr lang="de-DE" smtClean="0"/>
+              <a:rPr lang="de-DE"/>
               <a:t>Formatvorlagen des Textmasters bearbeiten</a:t>
             </a:r>
           </a:p>
           <a:p>
             <a:pPr lvl="1"/>
             <a:r>
-              <a:rPr lang="de-DE" smtClean="0"/>
+              <a:rPr lang="de-DE"/>
               <a:t>Zweite Ebene</a:t>
             </a:r>
           </a:p>
           <a:p>
             <a:pPr lvl="2"/>
             <a:r>
-              <a:rPr lang="de-DE" smtClean="0"/>
+              <a:rPr lang="de-DE"/>
               <a:t>Dritte Ebene</a:t>
             </a:r>
           </a:p>
           <a:p>
             <a:pPr lvl="3"/>
             <a:r>
-              <a:rPr lang="de-DE" smtClean="0"/>
+              <a:rPr lang="de-DE"/>
               <a:t>Vierte Ebene</a:t>
             </a:r>
           </a:p>
           <a:p>
             <a:pPr lvl="4"/>
             <a:r>
-              <a:rPr lang="de-DE" smtClean="0"/>
+              <a:rPr lang="de-DE"/>
               <a:t>Fünfte Ebene</a:t>
             </a:r>
             <a:endParaRPr lang="en-US" dirty="0"/>
@@ -2073,7 +2078,7 @@
           <a:p>
             <a:pPr lvl="0"/>
             <a:r>
-              <a:rPr lang="de-DE" smtClean="0"/>
+              <a:rPr lang="de-DE"/>
               <a:t>Formatvorlagen des Textmasters bearbeiten</a:t>
             </a:r>
           </a:p>
@@ -2096,7 +2101,7 @@
           <a:p>
             <a:fld id="{EC93BBD2-B587-4421-B8E5-F07A11DB88D9}" type="datetimeFigureOut">
               <a:rPr lang="de-DE" smtClean="0"/>
-              <a:t>07.02.2020</a:t>
+              <a:t>29.02.2020</a:t>
             </a:fld>
             <a:endParaRPr lang="de-DE"/>
           </a:p>
@@ -2199,7 +2204,7 @@
           </a:lstStyle>
           <a:p>
             <a:r>
-              <a:rPr lang="de-DE" smtClean="0"/>
+              <a:rPr lang="de-DE"/>
               <a:t>Titelmasterformat durch Klicken bearbeiten</a:t>
             </a:r>
             <a:endParaRPr lang="en-US" dirty="0"/>
@@ -2264,7 +2269,7 @@
           </a:lstStyle>
           <a:p>
             <a:r>
-              <a:rPr lang="de-DE" smtClean="0"/>
+              <a:rPr lang="de-DE"/>
               <a:t>Bild durch Klicken auf Symbol hinzufügen</a:t>
             </a:r>
             <a:endParaRPr lang="en-US" dirty="0"/>
@@ -2330,7 +2335,7 @@
           <a:p>
             <a:pPr lvl="0"/>
             <a:r>
-              <a:rPr lang="de-DE" smtClean="0"/>
+              <a:rPr lang="de-DE"/>
               <a:t>Formatvorlagen des Textmasters bearbeiten</a:t>
             </a:r>
           </a:p>
@@ -2353,7 +2358,7 @@
           <a:p>
             <a:fld id="{EC93BBD2-B587-4421-B8E5-F07A11DB88D9}" type="datetimeFigureOut">
               <a:rPr lang="de-DE" smtClean="0"/>
-              <a:t>07.02.2020</a:t>
+              <a:t>29.02.2020</a:t>
             </a:fld>
             <a:endParaRPr lang="de-DE"/>
           </a:p>
@@ -2462,7 +2467,7 @@
           <a:lstStyle/>
           <a:p>
             <a:r>
-              <a:rPr lang="de-DE" smtClean="0"/>
+              <a:rPr lang="de-DE"/>
               <a:t>Titelmasterformat durch Klicken bearbeiten</a:t>
             </a:r>
             <a:endParaRPr lang="en-US" dirty="0"/>
@@ -2496,35 +2501,35 @@
           <a:p>
             <a:pPr lvl="0"/>
             <a:r>
-              <a:rPr lang="de-DE" smtClean="0"/>
+              <a:rPr lang="de-DE"/>
               <a:t>Formatvorlagen des Textmasters bearbeiten</a:t>
             </a:r>
           </a:p>
           <a:p>
             <a:pPr lvl="1"/>
             <a:r>
-              <a:rPr lang="de-DE" smtClean="0"/>
+              <a:rPr lang="de-DE"/>
               <a:t>Zweite Ebene</a:t>
             </a:r>
           </a:p>
           <a:p>
             <a:pPr lvl="2"/>
             <a:r>
-              <a:rPr lang="de-DE" smtClean="0"/>
+              <a:rPr lang="de-DE"/>
               <a:t>Dritte Ebene</a:t>
             </a:r>
           </a:p>
           <a:p>
             <a:pPr lvl="3"/>
             <a:r>
-              <a:rPr lang="de-DE" smtClean="0"/>
+              <a:rPr lang="de-DE"/>
               <a:t>Vierte Ebene</a:t>
             </a:r>
           </a:p>
           <a:p>
             <a:pPr lvl="4"/>
             <a:r>
-              <a:rPr lang="de-DE" smtClean="0"/>
+              <a:rPr lang="de-DE"/>
               <a:t>Fünfte Ebene</a:t>
             </a:r>
             <a:endParaRPr lang="en-US" dirty="0"/>
@@ -2566,7 +2571,7 @@
           <a:p>
             <a:fld id="{EC93BBD2-B587-4421-B8E5-F07A11DB88D9}" type="datetimeFigureOut">
               <a:rPr lang="de-DE" smtClean="0"/>
-              <a:t>07.02.2020</a:t>
+              <a:t>29.02.2020</a:t>
             </a:fld>
             <a:endParaRPr lang="de-DE"/>
           </a:p>
@@ -2675,7 +2680,7 @@
           <a:graphicData uri="http://schemas.openxmlformats.org/presentationml/2006/ole">
             <mc:AlternateContent xmlns:mc="http://schemas.openxmlformats.org/markup-compatibility/2006">
               <mc:Choice xmlns:v="urn:schemas-microsoft-com:vml" Requires="v">
-                <p:oleObj spid="_x0000_s1028" name="think-cell Folie" r:id="rId16" imgW="384" imgH="384" progId="TCLayout.ActiveDocument.1">
+                <p:oleObj spid="_x0000_s1029" name="think-cell Folie" r:id="rId16" imgW="384" imgH="384" progId="TCLayout.ActiveDocument.1">
                   <p:embed/>
                 </p:oleObj>
               </mc:Choice>
@@ -3110,7 +3115,7 @@
           <a:graphicData uri="http://schemas.openxmlformats.org/presentationml/2006/ole">
             <mc:AlternateContent xmlns:mc="http://schemas.openxmlformats.org/markup-compatibility/2006">
               <mc:Choice xmlns:v="urn:schemas-microsoft-com:vml" Requires="v">
-                <p:oleObj spid="_x0000_s2052" name="think-cell Folie" r:id="rId4" imgW="384" imgH="384" progId="TCLayout.ActiveDocument.1">
+                <p:oleObj spid="_x0000_s2053" name="think-cell Folie" r:id="rId4" imgW="384" imgH="384" progId="TCLayout.ActiveDocument.1">
                   <p:embed/>
                 </p:oleObj>
               </mc:Choice>
@@ -5902,7 +5907,7 @@
         </p:nvSpPr>
         <p:spPr>
           <a:xfrm>
-            <a:off x="-70723" y="-2756"/>
+            <a:off x="-95136" y="-78578"/>
             <a:ext cx="285656" cy="246221"/>
           </a:xfrm>
           <a:prstGeom prst="rect">
@@ -5917,16 +5922,12 @@
           <a:lstStyle/>
           <a:p>
             <a:r>
-              <a:rPr lang="de-DE" sz="1000" dirty="0" smtClean="0">
+              <a:rPr lang="de-DE" sz="1000" dirty="0">
                 <a:latin typeface="Times New Roman" panose="02020603050405020304" pitchFamily="18" charset="0"/>
                 <a:cs typeface="Times New Roman" panose="02020603050405020304" pitchFamily="18" charset="0"/>
               </a:rPr>
               <a:t>a)</a:t>
             </a:r>
-            <a:endParaRPr lang="de-DE" sz="1000" dirty="0">
-              <a:latin typeface="Times New Roman" panose="02020603050405020304" pitchFamily="18" charset="0"/>
-              <a:cs typeface="Times New Roman" panose="02020603050405020304" pitchFamily="18" charset="0"/>
-            </a:endParaRPr>
           </a:p>
         </p:txBody>
       </p:sp>
@@ -5938,7 +5939,7 @@
         </p:nvSpPr>
         <p:spPr>
           <a:xfrm>
-            <a:off x="1528063" y="-2756"/>
+            <a:off x="1503650" y="-78578"/>
             <a:ext cx="292068" cy="246221"/>
           </a:xfrm>
           <a:prstGeom prst="rect">
@@ -5953,16 +5954,12 @@
           <a:lstStyle/>
           <a:p>
             <a:r>
-              <a:rPr lang="de-DE" sz="1000" dirty="0" smtClean="0">
+              <a:rPr lang="de-DE" sz="1000" dirty="0">
                 <a:latin typeface="Times New Roman" panose="02020603050405020304" pitchFamily="18" charset="0"/>
                 <a:cs typeface="Times New Roman" panose="02020603050405020304" pitchFamily="18" charset="0"/>
               </a:rPr>
               <a:t>b)</a:t>
             </a:r>
-            <a:endParaRPr lang="de-DE" sz="1000" dirty="0">
-              <a:latin typeface="Times New Roman" panose="02020603050405020304" pitchFamily="18" charset="0"/>
-              <a:cs typeface="Times New Roman" panose="02020603050405020304" pitchFamily="18" charset="0"/>
-            </a:endParaRPr>
           </a:p>
         </p:txBody>
       </p:sp>
@@ -5974,7 +5971,7 @@
         </p:nvSpPr>
         <p:spPr>
           <a:xfrm>
-            <a:off x="-70723" y="750820"/>
+            <a:off x="-95136" y="701189"/>
             <a:ext cx="285656" cy="246221"/>
           </a:xfrm>
           <a:prstGeom prst="rect">
@@ -5989,16 +5986,12 @@
           <a:lstStyle/>
           <a:p>
             <a:r>
-              <a:rPr lang="de-DE" sz="1000" dirty="0" smtClean="0">
+              <a:rPr lang="de-DE" sz="1000" dirty="0">
                 <a:latin typeface="Times New Roman" panose="02020603050405020304" pitchFamily="18" charset="0"/>
                 <a:cs typeface="Times New Roman" panose="02020603050405020304" pitchFamily="18" charset="0"/>
               </a:rPr>
               <a:t>c)</a:t>
             </a:r>
-            <a:endParaRPr lang="de-DE" sz="1000" dirty="0">
-              <a:latin typeface="Times New Roman" panose="02020603050405020304" pitchFamily="18" charset="0"/>
-              <a:cs typeface="Times New Roman" panose="02020603050405020304" pitchFamily="18" charset="0"/>
-            </a:endParaRPr>
           </a:p>
         </p:txBody>
       </p:sp>
@@ -6010,7 +6003,7 @@
         </p:nvSpPr>
         <p:spPr>
           <a:xfrm>
-            <a:off x="1528063" y="750820"/>
+            <a:off x="1503650" y="701189"/>
             <a:ext cx="292068" cy="246221"/>
           </a:xfrm>
           <a:prstGeom prst="rect">
@@ -6025,16 +6018,12 @@
           <a:lstStyle/>
           <a:p>
             <a:r>
-              <a:rPr lang="de-DE" sz="1000" dirty="0" smtClean="0">
+              <a:rPr lang="de-DE" sz="1000" dirty="0">
                 <a:latin typeface="Times New Roman" panose="02020603050405020304" pitchFamily="18" charset="0"/>
                 <a:cs typeface="Times New Roman" panose="02020603050405020304" pitchFamily="18" charset="0"/>
               </a:rPr>
               <a:t>d)</a:t>
             </a:r>
-            <a:endParaRPr lang="de-DE" sz="1000" dirty="0">
-              <a:latin typeface="Times New Roman" panose="02020603050405020304" pitchFamily="18" charset="0"/>
-              <a:cs typeface="Times New Roman" panose="02020603050405020304" pitchFamily="18" charset="0"/>
-            </a:endParaRPr>
           </a:p>
         </p:txBody>
       </p:sp>
@@ -6048,13 +6037,6 @@
   <p:clrMapOvr>
     <a:masterClrMapping/>
   </p:clrMapOvr>
-  <p:timing>
-    <p:tnLst>
-      <p:par>
-        <p:cTn id="1" dur="indefinite" restart="never" nodeType="tmRoot"/>
-      </p:par>
-    </p:tnLst>
-  </p:timing>
 </p:sld>
 </file>
 
